--- a/database-connect/database-apps.pptx
+++ b/database-connect/database-apps.pptx
@@ -28,6 +28,15 @@
     <p:sldId id="273" r:id="rId25"/>
     <p:sldId id="274" r:id="rId26"/>
     <p:sldId id="275" r:id="rId27"/>
+    <p:sldId id="276" r:id="rId28"/>
+    <p:sldId id="277" r:id="rId29"/>
+    <p:sldId id="278" r:id="rId30"/>
+    <p:sldId id="279" r:id="rId31"/>
+    <p:sldId id="280" r:id="rId32"/>
+    <p:sldId id="281" r:id="rId33"/>
+    <p:sldId id="282" r:id="rId34"/>
+    <p:sldId id="283" r:id="rId35"/>
+    <p:sldId id="284" r:id="rId36"/>
   </p:sldIdLst>
   <p:sldSz cx="13004800" cy="9753600"/>
   <p:notesSz cx="6858000" cy="9144000"/>
@@ -4776,6 +4785,1157 @@
 </p:sld>
 </file>
 
+<file path=ppt/slides/slide21.xml><?xml version="1.0" encoding="utf-8"?>
+<p:sld xmlns:a="http://schemas.openxmlformats.org/drawingml/2006/main" xmlns:r="http://schemas.openxmlformats.org/officeDocument/2006/relationships" xmlns:p="http://schemas.openxmlformats.org/presentationml/2006/main" showMasterSp="1" showMasterPhAnim="1">
+  <p:cSld>
+    <p:spTree>
+      <p:nvGrpSpPr>
+        <p:cNvPr id="1" name=""/>
+        <p:cNvGrpSpPr/>
+        <p:nvPr/>
+      </p:nvGrpSpPr>
+      <p:grpSpPr>
+        <a:xfrm>
+          <a:off x="0" y="0"/>
+          <a:ext cx="0" cy="0"/>
+          <a:chOff x="0" y="0"/>
+          <a:chExt cx="0" cy="0"/>
+        </a:xfrm>
+      </p:grpSpPr>
+      <p:sp>
+        <p:nvSpPr>
+          <p:cNvPr id="100" name="Shape 100"/>
+          <p:cNvSpPr/>
+          <p:nvPr>
+            <p:ph type="title"/>
+          </p:nvPr>
+        </p:nvSpPr>
+        <p:spPr>
+          <a:prstGeom prst="rect">
+            <a:avLst/>
+          </a:prstGeom>
+        </p:spPr>
+        <p:txBody>
+          <a:bodyPr/>
+          <a:lstStyle/>
+          <a:p>
+            <a:pPr lvl="0">
+              <a:defRPr sz="1800">
+                <a:solidFill>
+                  <a:srgbClr val="000000"/>
+                </a:solidFill>
+                <a:effectLst/>
+              </a:defRPr>
+            </a:pPr>
+            <a:r>
+              <a:rPr sz="7200">
+                <a:solidFill>
+                  <a:srgbClr val="FFFFFF"/>
+                </a:solidFill>
+                <a:effectLst>
+                  <a:outerShdw sx="100000" sy="100000" kx="0" ky="0" algn="b" rotWithShape="0" blurRad="50800" dist="38100" dir="5400000">
+                    <a:srgbClr val="000000"/>
+                  </a:outerShdw>
+                </a:effectLst>
+              </a:rPr>
+              <a:t>Ways to Update the Data</a:t>
+            </a:r>
+          </a:p>
+        </p:txBody>
+      </p:sp>
+      <p:sp>
+        <p:nvSpPr>
+          <p:cNvPr id="101" name="Shape 101"/>
+          <p:cNvSpPr/>
+          <p:nvPr>
+            <p:ph type="body" idx="1"/>
+          </p:nvPr>
+        </p:nvSpPr>
+        <p:spPr>
+          <a:prstGeom prst="rect">
+            <a:avLst/>
+          </a:prstGeom>
+        </p:spPr>
+        <p:txBody>
+          <a:bodyPr/>
+          <a:lstStyle/>
+          <a:p>
+            <a:pPr lvl="0"/>
+          </a:p>
+        </p:txBody>
+      </p:sp>
+    </p:spTree>
+  </p:cSld>
+  <p:clrMapOvr>
+    <a:masterClrMapping/>
+  </p:clrMapOvr>
+  <p:transition spd="med" advClick="1"/>
+</p:sld>
+</file>
+
+<file path=ppt/slides/slide22.xml><?xml version="1.0" encoding="utf-8"?>
+<p:sld xmlns:a="http://schemas.openxmlformats.org/drawingml/2006/main" xmlns:r="http://schemas.openxmlformats.org/officeDocument/2006/relationships" xmlns:p="http://schemas.openxmlformats.org/presentationml/2006/main" showMasterSp="1" showMasterPhAnim="1">
+  <p:cSld>
+    <p:spTree>
+      <p:nvGrpSpPr>
+        <p:cNvPr id="1" name=""/>
+        <p:cNvGrpSpPr/>
+        <p:nvPr/>
+      </p:nvGrpSpPr>
+      <p:grpSpPr>
+        <a:xfrm>
+          <a:off x="0" y="0"/>
+          <a:ext cx="0" cy="0"/>
+          <a:chOff x="0" y="0"/>
+          <a:chExt cx="0" cy="0"/>
+        </a:xfrm>
+      </p:grpSpPr>
+      <p:sp>
+        <p:nvSpPr>
+          <p:cNvPr id="103" name="Shape 103"/>
+          <p:cNvSpPr/>
+          <p:nvPr>
+            <p:ph type="title"/>
+          </p:nvPr>
+        </p:nvSpPr>
+        <p:spPr>
+          <a:prstGeom prst="rect">
+            <a:avLst/>
+          </a:prstGeom>
+        </p:spPr>
+        <p:txBody>
+          <a:bodyPr/>
+          <a:lstStyle/>
+          <a:p>
+            <a:pPr lvl="0">
+              <a:defRPr sz="1800">
+                <a:solidFill>
+                  <a:srgbClr val="000000"/>
+                </a:solidFill>
+                <a:effectLst/>
+              </a:defRPr>
+            </a:pPr>
+            <a:r>
+              <a:rPr sz="7200">
+                <a:solidFill>
+                  <a:srgbClr val="FFFFFF"/>
+                </a:solidFill>
+                <a:effectLst>
+                  <a:outerShdw sx="100000" sy="100000" kx="0" ky="0" algn="b" rotWithShape="0" blurRad="50800" dist="38100" dir="5400000">
+                    <a:srgbClr val="000000"/>
+                  </a:outerShdw>
+                </a:effectLst>
+              </a:rPr>
+              <a:t>4 ways</a:t>
+            </a:r>
+          </a:p>
+        </p:txBody>
+      </p:sp>
+      <p:sp>
+        <p:nvSpPr>
+          <p:cNvPr id="104" name="Shape 104"/>
+          <p:cNvSpPr/>
+          <p:nvPr>
+            <p:ph type="body" idx="1"/>
+          </p:nvPr>
+        </p:nvSpPr>
+        <p:spPr>
+          <a:prstGeom prst="rect">
+            <a:avLst/>
+          </a:prstGeom>
+        </p:spPr>
+        <p:txBody>
+          <a:bodyPr/>
+          <a:lstStyle/>
+          <a:p>
+            <a:pPr lvl="0">
+              <a:buBlip>
+                <a:blip r:embed="rId2"/>
+              </a:buBlip>
+            </a:pPr>
+          </a:p>
+        </p:txBody>
+      </p:sp>
+      <p:pic>
+        <p:nvPicPr>
+          <p:cNvPr id="105" name="Screen Shot 2014-10-08 at 11.49.04 PM.png"/>
+          <p:cNvPicPr/>
+          <p:nvPr/>
+        </p:nvPicPr>
+        <p:blipFill>
+          <a:blip r:embed="rId3">
+            <a:extLst/>
+          </a:blip>
+          <a:stretch>
+            <a:fillRect/>
+          </a:stretch>
+        </p:blipFill>
+        <p:spPr>
+          <a:xfrm>
+            <a:off x="788739" y="2678608"/>
+            <a:ext cx="11049001" cy="4953001"/>
+          </a:xfrm>
+          <a:prstGeom prst="rect">
+            <a:avLst/>
+          </a:prstGeom>
+          <a:ln w="12700">
+            <a:miter lim="400000"/>
+          </a:ln>
+        </p:spPr>
+      </p:pic>
+    </p:spTree>
+  </p:cSld>
+  <p:clrMapOvr>
+    <a:masterClrMapping/>
+  </p:clrMapOvr>
+  <p:transition spd="med" advClick="1"/>
+</p:sld>
+</file>
+
+<file path=ppt/slides/slide23.xml><?xml version="1.0" encoding="utf-8"?>
+<p:sld xmlns:a="http://schemas.openxmlformats.org/drawingml/2006/main" xmlns:r="http://schemas.openxmlformats.org/officeDocument/2006/relationships" xmlns:p="http://schemas.openxmlformats.org/presentationml/2006/main" showMasterSp="1" showMasterPhAnim="1">
+  <p:cSld>
+    <p:spTree>
+      <p:nvGrpSpPr>
+        <p:cNvPr id="1" name=""/>
+        <p:cNvGrpSpPr/>
+        <p:nvPr/>
+      </p:nvGrpSpPr>
+      <p:grpSpPr>
+        <a:xfrm>
+          <a:off x="0" y="0"/>
+          <a:ext cx="0" cy="0"/>
+          <a:chOff x="0" y="0"/>
+          <a:chExt cx="0" cy="0"/>
+        </a:xfrm>
+      </p:grpSpPr>
+      <p:sp>
+        <p:nvSpPr>
+          <p:cNvPr id="107" name="Shape 107"/>
+          <p:cNvSpPr/>
+          <p:nvPr>
+            <p:ph type="title"/>
+          </p:nvPr>
+        </p:nvSpPr>
+        <p:spPr>
+          <a:prstGeom prst="rect">
+            <a:avLst/>
+          </a:prstGeom>
+        </p:spPr>
+        <p:txBody>
+          <a:bodyPr/>
+          <a:lstStyle/>
+          <a:p>
+            <a:pPr lvl="0">
+              <a:defRPr sz="1800">
+                <a:solidFill>
+                  <a:srgbClr val="000000"/>
+                </a:solidFill>
+                <a:effectLst/>
+              </a:defRPr>
+            </a:pPr>
+            <a:r>
+              <a:rPr sz="7200">
+                <a:solidFill>
+                  <a:srgbClr val="FFFFFF"/>
+                </a:solidFill>
+                <a:effectLst>
+                  <a:outerShdw sx="100000" sy="100000" kx="0" ky="0" algn="b" rotWithShape="0" blurRad="50800" dist="38100" dir="5400000">
+                    <a:srgbClr val="000000"/>
+                  </a:outerShdw>
+                </a:effectLst>
+              </a:rPr>
+              <a:t>Set up Function</a:t>
+            </a:r>
+          </a:p>
+        </p:txBody>
+      </p:sp>
+      <p:pic>
+        <p:nvPicPr>
+          <p:cNvPr id="108" name="screen  .png"/>
+          <p:cNvPicPr/>
+          <p:nvPr/>
+        </p:nvPicPr>
+        <p:blipFill>
+          <a:blip r:embed="rId2">
+            <a:extLst/>
+          </a:blip>
+          <a:stretch>
+            <a:fillRect/>
+          </a:stretch>
+        </p:blipFill>
+        <p:spPr>
+          <a:xfrm>
+            <a:off x="547141" y="2250281"/>
+            <a:ext cx="10502901" cy="1930401"/>
+          </a:xfrm>
+          <a:prstGeom prst="rect">
+            <a:avLst/>
+          </a:prstGeom>
+          <a:ln w="12700">
+            <a:miter lim="400000"/>
+          </a:ln>
+        </p:spPr>
+      </p:pic>
+      <p:pic>
+        <p:nvPicPr>
+          <p:cNvPr id="109" name="Screen Shot 2014-10-08 at 11.52.29 PM.png"/>
+          <p:cNvPicPr/>
+          <p:nvPr/>
+        </p:nvPicPr>
+        <p:blipFill>
+          <a:blip r:embed="rId3">
+            <a:extLst/>
+          </a:blip>
+          <a:stretch>
+            <a:fillRect/>
+          </a:stretch>
+        </p:blipFill>
+        <p:spPr>
+          <a:xfrm>
+            <a:off x="615354" y="4425950"/>
+            <a:ext cx="6070601" cy="2400300"/>
+          </a:xfrm>
+          <a:prstGeom prst="rect">
+            <a:avLst/>
+          </a:prstGeom>
+          <a:ln w="12700">
+            <a:miter lim="400000"/>
+          </a:ln>
+        </p:spPr>
+      </p:pic>
+    </p:spTree>
+  </p:cSld>
+  <p:clrMapOvr>
+    <a:masterClrMapping/>
+  </p:clrMapOvr>
+  <p:transition spd="med" advClick="1"/>
+</p:sld>
+</file>
+
+<file path=ppt/slides/slide24.xml><?xml version="1.0" encoding="utf-8"?>
+<p:sld xmlns:a="http://schemas.openxmlformats.org/drawingml/2006/main" xmlns:r="http://schemas.openxmlformats.org/officeDocument/2006/relationships" xmlns:p="http://schemas.openxmlformats.org/presentationml/2006/main" showMasterSp="1" showMasterPhAnim="1">
+  <p:cSld>
+    <p:spTree>
+      <p:nvGrpSpPr>
+        <p:cNvPr id="1" name=""/>
+        <p:cNvGrpSpPr/>
+        <p:nvPr/>
+      </p:nvGrpSpPr>
+      <p:grpSpPr>
+        <a:xfrm>
+          <a:off x="0" y="0"/>
+          <a:ext cx="0" cy="0"/>
+          <a:chOff x="0" y="0"/>
+          <a:chExt cx="0" cy="0"/>
+        </a:xfrm>
+      </p:grpSpPr>
+      <p:sp>
+        <p:nvSpPr>
+          <p:cNvPr id="111" name="Shape 111"/>
+          <p:cNvSpPr/>
+          <p:nvPr>
+            <p:ph type="title"/>
+          </p:nvPr>
+        </p:nvSpPr>
+        <p:spPr>
+          <a:prstGeom prst="rect">
+            <a:avLst/>
+          </a:prstGeom>
+        </p:spPr>
+        <p:txBody>
+          <a:bodyPr/>
+          <a:lstStyle/>
+          <a:p>
+            <a:pPr lvl="0">
+              <a:defRPr sz="1800">
+                <a:solidFill>
+                  <a:srgbClr val="000000"/>
+                </a:solidFill>
+                <a:effectLst/>
+              </a:defRPr>
+            </a:pPr>
+            <a:r>
+              <a:rPr sz="7200">
+                <a:solidFill>
+                  <a:srgbClr val="FFFFFF"/>
+                </a:solidFill>
+                <a:effectLst>
+                  <a:outerShdw sx="100000" sy="100000" kx="0" ky="0" algn="b" rotWithShape="0" blurRad="50800" dist="38100" dir="5400000">
+                    <a:srgbClr val="000000"/>
+                  </a:outerShdw>
+                </a:effectLst>
+              </a:rPr>
+              <a:t>update()</a:t>
+            </a:r>
+          </a:p>
+        </p:txBody>
+      </p:sp>
+      <p:sp>
+        <p:nvSpPr>
+          <p:cNvPr id="112" name="Shape 112"/>
+          <p:cNvSpPr/>
+          <p:nvPr>
+            <p:ph type="body" idx="1"/>
+          </p:nvPr>
+        </p:nvSpPr>
+        <p:spPr>
+          <a:prstGeom prst="rect">
+            <a:avLst/>
+          </a:prstGeom>
+        </p:spPr>
+        <p:txBody>
+          <a:bodyPr/>
+          <a:lstStyle/>
+          <a:p>
+            <a:pPr lvl="0">
+              <a:buBlip>
+                <a:blip r:embed="rId2"/>
+              </a:buBlip>
+            </a:pPr>
+          </a:p>
+        </p:txBody>
+      </p:sp>
+      <p:pic>
+        <p:nvPicPr>
+          <p:cNvPr id="113" name="Screen Shot 2014-10-08 at 11.23.51 PM.png"/>
+          <p:cNvPicPr/>
+          <p:nvPr/>
+        </p:nvPicPr>
+        <p:blipFill>
+          <a:blip r:embed="rId3">
+            <a:extLst/>
+          </a:blip>
+          <a:stretch>
+            <a:fillRect/>
+          </a:stretch>
+        </p:blipFill>
+        <p:spPr>
+          <a:xfrm>
+            <a:off x="763041" y="4068762"/>
+            <a:ext cx="10553701" cy="3302001"/>
+          </a:xfrm>
+          <a:prstGeom prst="rect">
+            <a:avLst/>
+          </a:prstGeom>
+          <a:ln w="12700">
+            <a:miter lim="400000"/>
+          </a:ln>
+        </p:spPr>
+      </p:pic>
+      <p:pic>
+        <p:nvPicPr>
+          <p:cNvPr id="114" name="Screen Shot 2014-10-08 at 11.55.30 PM.png"/>
+          <p:cNvPicPr/>
+          <p:nvPr/>
+        </p:nvPicPr>
+        <p:blipFill>
+          <a:blip r:embed="rId4">
+            <a:extLst/>
+          </a:blip>
+          <a:stretch>
+            <a:fillRect/>
+          </a:stretch>
+        </p:blipFill>
+        <p:spPr>
+          <a:xfrm>
+            <a:off x="807491" y="2694136"/>
+            <a:ext cx="10464801" cy="673101"/>
+          </a:xfrm>
+          <a:prstGeom prst="rect">
+            <a:avLst/>
+          </a:prstGeom>
+          <a:ln w="12700">
+            <a:miter lim="400000"/>
+          </a:ln>
+        </p:spPr>
+      </p:pic>
+    </p:spTree>
+  </p:cSld>
+  <p:clrMapOvr>
+    <a:masterClrMapping/>
+  </p:clrMapOvr>
+  <p:transition spd="med" advClick="1"/>
+</p:sld>
+</file>
+
+<file path=ppt/slides/slide25.xml><?xml version="1.0" encoding="utf-8"?>
+<p:sld xmlns:a="http://schemas.openxmlformats.org/drawingml/2006/main" xmlns:r="http://schemas.openxmlformats.org/officeDocument/2006/relationships" xmlns:p="http://schemas.openxmlformats.org/presentationml/2006/main" showMasterSp="1" showMasterPhAnim="1">
+  <p:cSld>
+    <p:spTree>
+      <p:nvGrpSpPr>
+        <p:cNvPr id="1" name=""/>
+        <p:cNvGrpSpPr/>
+        <p:nvPr/>
+      </p:nvGrpSpPr>
+      <p:grpSpPr>
+        <a:xfrm>
+          <a:off x="0" y="0"/>
+          <a:ext cx="0" cy="0"/>
+          <a:chOff x="0" y="0"/>
+          <a:chExt cx="0" cy="0"/>
+        </a:xfrm>
+      </p:grpSpPr>
+      <p:sp>
+        <p:nvSpPr>
+          <p:cNvPr id="116" name="Shape 116"/>
+          <p:cNvSpPr/>
+          <p:nvPr>
+            <p:ph type="title"/>
+          </p:nvPr>
+        </p:nvSpPr>
+        <p:spPr>
+          <a:prstGeom prst="rect">
+            <a:avLst/>
+          </a:prstGeom>
+        </p:spPr>
+        <p:txBody>
+          <a:bodyPr/>
+          <a:lstStyle/>
+          <a:p>
+            <a:pPr lvl="0">
+              <a:defRPr sz="1800">
+                <a:solidFill>
+                  <a:srgbClr val="000000"/>
+                </a:solidFill>
+                <a:effectLst/>
+              </a:defRPr>
+            </a:pPr>
+            <a:r>
+              <a:rPr sz="7200">
+                <a:solidFill>
+                  <a:srgbClr val="FFFFFF"/>
+                </a:solidFill>
+                <a:effectLst>
+                  <a:outerShdw sx="100000" sy="100000" kx="0" ky="0" algn="b" rotWithShape="0" blurRad="50800" dist="38100" dir="5400000">
+                    <a:srgbClr val="000000"/>
+                  </a:outerShdw>
+                </a:effectLst>
+              </a:rPr>
+              <a:t>push()</a:t>
+            </a:r>
+          </a:p>
+        </p:txBody>
+      </p:sp>
+      <p:sp>
+        <p:nvSpPr>
+          <p:cNvPr id="117" name="Shape 117"/>
+          <p:cNvSpPr/>
+          <p:nvPr>
+            <p:ph type="body" idx="1"/>
+          </p:nvPr>
+        </p:nvSpPr>
+        <p:spPr>
+          <a:prstGeom prst="rect">
+            <a:avLst/>
+          </a:prstGeom>
+        </p:spPr>
+        <p:txBody>
+          <a:bodyPr/>
+          <a:lstStyle/>
+          <a:p>
+            <a:pPr lvl="0">
+              <a:buBlip>
+                <a:blip r:embed="rId2"/>
+              </a:buBlip>
+            </a:pPr>
+          </a:p>
+        </p:txBody>
+      </p:sp>
+      <p:pic>
+        <p:nvPicPr>
+          <p:cNvPr id="118" name="Screen Shot 2014-10-08 at 11.54.35 PM.png"/>
+          <p:cNvPicPr/>
+          <p:nvPr/>
+        </p:nvPicPr>
+        <p:blipFill>
+          <a:blip r:embed="rId3">
+            <a:extLst/>
+          </a:blip>
+          <a:stretch>
+            <a:fillRect/>
+          </a:stretch>
+        </p:blipFill>
+        <p:spPr>
+          <a:xfrm>
+            <a:off x="723850" y="4391124"/>
+            <a:ext cx="10566401" cy="3390901"/>
+          </a:xfrm>
+          <a:prstGeom prst="rect">
+            <a:avLst/>
+          </a:prstGeom>
+          <a:ln w="12700">
+            <a:miter lim="400000"/>
+          </a:ln>
+        </p:spPr>
+      </p:pic>
+      <p:pic>
+        <p:nvPicPr>
+          <p:cNvPr id="119" name="Screen Shot 2014-10-08 at 11.55.01 PM.png"/>
+          <p:cNvPicPr/>
+          <p:nvPr/>
+        </p:nvPicPr>
+        <p:blipFill>
+          <a:blip r:embed="rId4">
+            <a:extLst/>
+          </a:blip>
+          <a:stretch>
+            <a:fillRect/>
+          </a:stretch>
+        </p:blipFill>
+        <p:spPr>
+          <a:xfrm>
+            <a:off x="735558" y="2783929"/>
+            <a:ext cx="10363201" cy="914401"/>
+          </a:xfrm>
+          <a:prstGeom prst="rect">
+            <a:avLst/>
+          </a:prstGeom>
+          <a:ln w="12700">
+            <a:miter lim="400000"/>
+          </a:ln>
+        </p:spPr>
+      </p:pic>
+    </p:spTree>
+  </p:cSld>
+  <p:clrMapOvr>
+    <a:masterClrMapping/>
+  </p:clrMapOvr>
+  <p:transition spd="med" advClick="1"/>
+</p:sld>
+</file>
+
+<file path=ppt/slides/slide26.xml><?xml version="1.0" encoding="utf-8"?>
+<p:sld xmlns:a="http://schemas.openxmlformats.org/drawingml/2006/main" xmlns:r="http://schemas.openxmlformats.org/officeDocument/2006/relationships" xmlns:p="http://schemas.openxmlformats.org/presentationml/2006/main" showMasterSp="1" showMasterPhAnim="1">
+  <p:cSld>
+    <p:spTree>
+      <p:nvGrpSpPr>
+        <p:cNvPr id="1" name=""/>
+        <p:cNvGrpSpPr/>
+        <p:nvPr/>
+      </p:nvGrpSpPr>
+      <p:grpSpPr>
+        <a:xfrm>
+          <a:off x="0" y="0"/>
+          <a:ext cx="0" cy="0"/>
+          <a:chOff x="0" y="0"/>
+          <a:chExt cx="0" cy="0"/>
+        </a:xfrm>
+      </p:grpSpPr>
+      <p:sp>
+        <p:nvSpPr>
+          <p:cNvPr id="121" name="Shape 121"/>
+          <p:cNvSpPr/>
+          <p:nvPr>
+            <p:ph type="title"/>
+          </p:nvPr>
+        </p:nvSpPr>
+        <p:spPr>
+          <a:prstGeom prst="rect">
+            <a:avLst/>
+          </a:prstGeom>
+        </p:spPr>
+        <p:txBody>
+          <a:bodyPr/>
+          <a:lstStyle/>
+          <a:p>
+            <a:pPr lvl="0">
+              <a:defRPr sz="1800">
+                <a:solidFill>
+                  <a:srgbClr val="000000"/>
+                </a:solidFill>
+                <a:effectLst/>
+              </a:defRPr>
+            </a:pPr>
+            <a:r>
+              <a:rPr sz="7200">
+                <a:solidFill>
+                  <a:srgbClr val="FFFFFF"/>
+                </a:solidFill>
+                <a:effectLst>
+                  <a:outerShdw sx="100000" sy="100000" kx="0" ky="0" algn="b" rotWithShape="0" blurRad="50800" dist="38100" dir="5400000">
+                    <a:srgbClr val="000000"/>
+                  </a:outerShdw>
+                </a:effectLst>
+              </a:rPr>
+              <a:t>Same by different</a:t>
+            </a:r>
+          </a:p>
+        </p:txBody>
+      </p:sp>
+      <p:sp>
+        <p:nvSpPr>
+          <p:cNvPr id="122" name="Shape 122"/>
+          <p:cNvSpPr/>
+          <p:nvPr>
+            <p:ph type="body" idx="1"/>
+          </p:nvPr>
+        </p:nvSpPr>
+        <p:spPr>
+          <a:prstGeom prst="rect">
+            <a:avLst/>
+          </a:prstGeom>
+        </p:spPr>
+        <p:txBody>
+          <a:bodyPr/>
+          <a:lstStyle/>
+          <a:p>
+            <a:pPr lvl="0">
+              <a:buBlip>
+                <a:blip r:embed="rId2"/>
+              </a:buBlip>
+            </a:pPr>
+          </a:p>
+        </p:txBody>
+      </p:sp>
+      <p:pic>
+        <p:nvPicPr>
+          <p:cNvPr id="123" name="Screen Shot 2014-10-09 at 12.05.51 AM.png"/>
+          <p:cNvPicPr/>
+          <p:nvPr/>
+        </p:nvPicPr>
+        <p:blipFill>
+          <a:blip r:embed="rId3">
+            <a:extLst/>
+          </a:blip>
+          <a:stretch>
+            <a:fillRect/>
+          </a:stretch>
+        </p:blipFill>
+        <p:spPr>
+          <a:xfrm>
+            <a:off x="766018" y="2984500"/>
+            <a:ext cx="10337801" cy="3784600"/>
+          </a:xfrm>
+          <a:prstGeom prst="rect">
+            <a:avLst/>
+          </a:prstGeom>
+          <a:ln w="12700">
+            <a:miter lim="400000"/>
+          </a:ln>
+        </p:spPr>
+      </p:pic>
+    </p:spTree>
+  </p:cSld>
+  <p:clrMapOvr>
+    <a:masterClrMapping/>
+  </p:clrMapOvr>
+  <p:transition spd="med" advClick="1"/>
+</p:sld>
+</file>
+
+<file path=ppt/slides/slide27.xml><?xml version="1.0" encoding="utf-8"?>
+<p:sld xmlns:a="http://schemas.openxmlformats.org/drawingml/2006/main" xmlns:r="http://schemas.openxmlformats.org/officeDocument/2006/relationships" xmlns:p="http://schemas.openxmlformats.org/presentationml/2006/main" showMasterSp="1" showMasterPhAnim="1">
+  <p:cSld>
+    <p:spTree>
+      <p:nvGrpSpPr>
+        <p:cNvPr id="1" name=""/>
+        <p:cNvGrpSpPr/>
+        <p:nvPr/>
+      </p:nvGrpSpPr>
+      <p:grpSpPr>
+        <a:xfrm>
+          <a:off x="0" y="0"/>
+          <a:ext cx="0" cy="0"/>
+          <a:chOff x="0" y="0"/>
+          <a:chExt cx="0" cy="0"/>
+        </a:xfrm>
+      </p:grpSpPr>
+      <p:sp>
+        <p:nvSpPr>
+          <p:cNvPr id="125" name="Shape 125"/>
+          <p:cNvSpPr/>
+          <p:nvPr>
+            <p:ph type="title"/>
+          </p:nvPr>
+        </p:nvSpPr>
+        <p:spPr>
+          <a:prstGeom prst="rect">
+            <a:avLst/>
+          </a:prstGeom>
+        </p:spPr>
+        <p:txBody>
+          <a:bodyPr/>
+          <a:lstStyle/>
+          <a:p>
+            <a:pPr lvl="0">
+              <a:defRPr sz="1800">
+                <a:solidFill>
+                  <a:srgbClr val="000000"/>
+                </a:solidFill>
+                <a:effectLst/>
+              </a:defRPr>
+            </a:pPr>
+            <a:r>
+              <a:rPr sz="7200">
+                <a:solidFill>
+                  <a:srgbClr val="FFFFFF"/>
+                </a:solidFill>
+                <a:effectLst>
+                  <a:outerShdw sx="100000" sy="100000" kx="0" ky="0" algn="b" rotWithShape="0" blurRad="50800" dist="38100" dir="5400000">
+                    <a:srgbClr val="000000"/>
+                  </a:outerShdw>
+                </a:effectLst>
+              </a:rPr>
+              <a:t>Another way…</a:t>
+            </a:r>
+          </a:p>
+        </p:txBody>
+      </p:sp>
+      <p:sp>
+        <p:nvSpPr>
+          <p:cNvPr id="126" name="Shape 126"/>
+          <p:cNvSpPr/>
+          <p:nvPr>
+            <p:ph type="body" idx="1"/>
+          </p:nvPr>
+        </p:nvSpPr>
+        <p:spPr>
+          <a:prstGeom prst="rect">
+            <a:avLst/>
+          </a:prstGeom>
+        </p:spPr>
+        <p:txBody>
+          <a:bodyPr/>
+          <a:lstStyle/>
+          <a:p>
+            <a:pPr lvl="0">
+              <a:buBlip>
+                <a:blip r:embed="rId2"/>
+              </a:buBlip>
+            </a:pPr>
+          </a:p>
+        </p:txBody>
+      </p:sp>
+      <p:pic>
+        <p:nvPicPr>
+          <p:cNvPr id="127" name="Screen Shot 2014-10-09 at 12.06.22 AM.png"/>
+          <p:cNvPicPr/>
+          <p:nvPr/>
+        </p:nvPicPr>
+        <p:blipFill>
+          <a:blip r:embed="rId3">
+            <a:extLst/>
+          </a:blip>
+          <a:stretch>
+            <a:fillRect/>
+          </a:stretch>
+        </p:blipFill>
+        <p:spPr>
+          <a:xfrm>
+            <a:off x="714176" y="2688530"/>
+            <a:ext cx="10502901" cy="3810001"/>
+          </a:xfrm>
+          <a:prstGeom prst="rect">
+            <a:avLst/>
+          </a:prstGeom>
+          <a:ln w="12700">
+            <a:miter lim="400000"/>
+          </a:ln>
+        </p:spPr>
+      </p:pic>
+    </p:spTree>
+  </p:cSld>
+  <p:clrMapOvr>
+    <a:masterClrMapping/>
+  </p:clrMapOvr>
+  <p:transition spd="med" advClick="1"/>
+</p:sld>
+</file>
+
+<file path=ppt/slides/slide28.xml><?xml version="1.0" encoding="utf-8"?>
+<p:sld xmlns:a="http://schemas.openxmlformats.org/drawingml/2006/main" xmlns:r="http://schemas.openxmlformats.org/officeDocument/2006/relationships" xmlns:p="http://schemas.openxmlformats.org/presentationml/2006/main" showMasterSp="1" showMasterPhAnim="1">
+  <p:cSld>
+    <p:spTree>
+      <p:nvGrpSpPr>
+        <p:cNvPr id="1" name=""/>
+        <p:cNvGrpSpPr/>
+        <p:nvPr/>
+      </p:nvGrpSpPr>
+      <p:grpSpPr>
+        <a:xfrm>
+          <a:off x="0" y="0"/>
+          <a:ext cx="0" cy="0"/>
+          <a:chOff x="0" y="0"/>
+          <a:chExt cx="0" cy="0"/>
+        </a:xfrm>
+      </p:grpSpPr>
+      <p:sp>
+        <p:nvSpPr>
+          <p:cNvPr id="129" name="Shape 129"/>
+          <p:cNvSpPr/>
+          <p:nvPr>
+            <p:ph type="title"/>
+          </p:nvPr>
+        </p:nvSpPr>
+        <p:spPr>
+          <a:prstGeom prst="rect">
+            <a:avLst/>
+          </a:prstGeom>
+        </p:spPr>
+        <p:txBody>
+          <a:bodyPr/>
+          <a:lstStyle/>
+          <a:p>
+            <a:pPr lvl="0">
+              <a:defRPr sz="1800">
+                <a:solidFill>
+                  <a:srgbClr val="000000"/>
+                </a:solidFill>
+                <a:effectLst/>
+              </a:defRPr>
+            </a:pPr>
+            <a:r>
+              <a:rPr sz="7200">
+                <a:solidFill>
+                  <a:srgbClr val="FFFFFF"/>
+                </a:solidFill>
+                <a:effectLst>
+                  <a:outerShdw sx="100000" sy="100000" kx="0" ky="0" algn="b" rotWithShape="0" blurRad="50800" dist="38100" dir="5400000">
+                    <a:srgbClr val="000000"/>
+                  </a:outerShdw>
+                </a:effectLst>
+              </a:rPr>
+              <a:t>set()</a:t>
+            </a:r>
+          </a:p>
+        </p:txBody>
+      </p:sp>
+      <p:sp>
+        <p:nvSpPr>
+          <p:cNvPr id="130" name="Shape 130"/>
+          <p:cNvSpPr/>
+          <p:nvPr>
+            <p:ph type="body" idx="1"/>
+          </p:nvPr>
+        </p:nvSpPr>
+        <p:spPr>
+          <a:prstGeom prst="rect">
+            <a:avLst/>
+          </a:prstGeom>
+        </p:spPr>
+        <p:txBody>
+          <a:bodyPr/>
+          <a:lstStyle/>
+          <a:p>
+            <a:pPr lvl="0">
+              <a:buBlip>
+                <a:blip r:embed="rId2"/>
+              </a:buBlip>
+            </a:pPr>
+          </a:p>
+        </p:txBody>
+      </p:sp>
+      <p:pic>
+        <p:nvPicPr>
+          <p:cNvPr id="131" name="Screen Shot 2014-10-08 at 11.55.08 PM.png"/>
+          <p:cNvPicPr/>
+          <p:nvPr/>
+        </p:nvPicPr>
+        <p:blipFill>
+          <a:blip r:embed="rId3">
+            <a:extLst/>
+          </a:blip>
+          <a:stretch>
+            <a:fillRect/>
+          </a:stretch>
+        </p:blipFill>
+        <p:spPr>
+          <a:xfrm>
+            <a:off x="807739" y="2783532"/>
+            <a:ext cx="10464801" cy="673101"/>
+          </a:xfrm>
+          <a:prstGeom prst="rect">
+            <a:avLst/>
+          </a:prstGeom>
+          <a:ln w="12700">
+            <a:miter lim="400000"/>
+          </a:ln>
+        </p:spPr>
+      </p:pic>
+      <p:pic>
+        <p:nvPicPr>
+          <p:cNvPr id="132" name="Screen Shot 2014-10-09 at 12.03.13 AM.png"/>
+          <p:cNvPicPr/>
+          <p:nvPr/>
+        </p:nvPicPr>
+        <p:blipFill>
+          <a:blip r:embed="rId4">
+            <a:extLst/>
+          </a:blip>
+          <a:stretch>
+            <a:fillRect/>
+          </a:stretch>
+        </p:blipFill>
+        <p:spPr>
+          <a:xfrm>
+            <a:off x="775989" y="3894931"/>
+            <a:ext cx="10528301" cy="3924301"/>
+          </a:xfrm>
+          <a:prstGeom prst="rect">
+            <a:avLst/>
+          </a:prstGeom>
+          <a:ln w="12700">
+            <a:miter lim="400000"/>
+          </a:ln>
+        </p:spPr>
+      </p:pic>
+    </p:spTree>
+  </p:cSld>
+  <p:clrMapOvr>
+    <a:masterClrMapping/>
+  </p:clrMapOvr>
+  <p:transition spd="med" advClick="1"/>
+</p:sld>
+</file>
+
+<file path=ppt/slides/slide29.xml><?xml version="1.0" encoding="utf-8"?>
+<p:sld xmlns:a="http://schemas.openxmlformats.org/drawingml/2006/main" xmlns:r="http://schemas.openxmlformats.org/officeDocument/2006/relationships" xmlns:p="http://schemas.openxmlformats.org/presentationml/2006/main" showMasterSp="1" showMasterPhAnim="1">
+  <p:cSld>
+    <p:spTree>
+      <p:nvGrpSpPr>
+        <p:cNvPr id="1" name=""/>
+        <p:cNvGrpSpPr/>
+        <p:nvPr/>
+      </p:nvGrpSpPr>
+      <p:grpSpPr>
+        <a:xfrm>
+          <a:off x="0" y="0"/>
+          <a:ext cx="0" cy="0"/>
+          <a:chOff x="0" y="0"/>
+          <a:chExt cx="0" cy="0"/>
+        </a:xfrm>
+      </p:grpSpPr>
+      <p:sp>
+        <p:nvSpPr>
+          <p:cNvPr id="134" name="Shape 134"/>
+          <p:cNvSpPr/>
+          <p:nvPr>
+            <p:ph type="title"/>
+          </p:nvPr>
+        </p:nvSpPr>
+        <p:spPr>
+          <a:prstGeom prst="rect">
+            <a:avLst/>
+          </a:prstGeom>
+        </p:spPr>
+        <p:txBody>
+          <a:bodyPr/>
+          <a:lstStyle/>
+          <a:p>
+            <a:pPr lvl="0">
+              <a:defRPr sz="1800">
+                <a:solidFill>
+                  <a:srgbClr val="000000"/>
+                </a:solidFill>
+                <a:effectLst/>
+              </a:defRPr>
+            </a:pPr>
+            <a:r>
+              <a:rPr sz="7200">
+                <a:solidFill>
+                  <a:srgbClr val="FFFFFF"/>
+                </a:solidFill>
+                <a:effectLst>
+                  <a:outerShdw sx="100000" sy="100000" kx="0" ky="0" algn="b" rotWithShape="0" blurRad="50800" dist="38100" dir="5400000">
+                    <a:srgbClr val="000000"/>
+                  </a:outerShdw>
+                </a:effectLst>
+              </a:rPr>
+              <a:t>Homework	</a:t>
+            </a:r>
+          </a:p>
+        </p:txBody>
+      </p:sp>
+      <p:sp>
+        <p:nvSpPr>
+          <p:cNvPr id="135" name="Shape 135"/>
+          <p:cNvSpPr/>
+          <p:nvPr>
+            <p:ph type="body" idx="1"/>
+          </p:nvPr>
+        </p:nvSpPr>
+        <p:spPr>
+          <a:prstGeom prst="rect">
+            <a:avLst/>
+          </a:prstGeom>
+        </p:spPr>
+        <p:txBody>
+          <a:bodyPr/>
+          <a:lstStyle/>
+          <a:p>
+            <a:pPr lvl="0">
+              <a:buBlip>
+                <a:blip r:embed="rId2"/>
+              </a:buBlip>
+              <a:defRPr sz="1800">
+                <a:solidFill>
+                  <a:srgbClr val="000000"/>
+                </a:solidFill>
+                <a:effectLst/>
+              </a:defRPr>
+            </a:pPr>
+            <a:r>
+              <a:rPr sz="3600">
+                <a:solidFill>
+                  <a:srgbClr val="FFFFFF"/>
+                </a:solidFill>
+                <a:effectLst>
+                  <a:outerShdw sx="100000" sy="100000" kx="0" ky="0" algn="b" rotWithShape="0" blurRad="50800" dist="38100" dir="5400000">
+                    <a:srgbClr val="000000"/>
+                  </a:outerShdw>
+                </a:effectLst>
+              </a:rPr>
+              <a:t>Working on your app project, connect some element to your database.</a:t>
+            </a:r>
+            <a:endParaRPr sz="3600">
+              <a:solidFill>
+                <a:srgbClr val="FFFFFF"/>
+              </a:solidFill>
+              <a:effectLst>
+                <a:outerShdw sx="100000" sy="100000" kx="0" ky="0" algn="b" rotWithShape="0" blurRad="50800" dist="38100" dir="5400000">
+                  <a:srgbClr val="000000"/>
+                </a:outerShdw>
+              </a:effectLst>
+            </a:endParaRPr>
+          </a:p>
+          <a:p>
+            <a:pPr lvl="0">
+              <a:buBlip>
+                <a:blip r:embed="rId2"/>
+              </a:buBlip>
+              <a:defRPr sz="1800">
+                <a:solidFill>
+                  <a:srgbClr val="000000"/>
+                </a:solidFill>
+                <a:effectLst/>
+              </a:defRPr>
+            </a:pPr>
+            <a:r>
+              <a:rPr sz="3600">
+                <a:solidFill>
+                  <a:srgbClr val="FFFFFF"/>
+                </a:solidFill>
+                <a:effectLst>
+                  <a:outerShdw sx="100000" sy="100000" kx="0" ky="0" algn="b" rotWithShape="0" blurRad="50800" dist="38100" dir="5400000">
+                    <a:srgbClr val="000000"/>
+                  </a:outerShdw>
+                </a:effectLst>
+              </a:rPr>
+              <a:t>After Fall Break you will have the entire app connected to a database.</a:t>
+            </a:r>
+          </a:p>
+        </p:txBody>
+      </p:sp>
+    </p:spTree>
+  </p:cSld>
+  <p:clrMapOvr>
+    <a:masterClrMapping/>
+  </p:clrMapOvr>
+  <p:transition spd="med" advClick="1"/>
+</p:sld>
+</file>
+
 <file path=ppt/slides/slide3.xml><?xml version="1.0" encoding="utf-8"?>
 <p:sld xmlns:a="http://schemas.openxmlformats.org/drawingml/2006/main" xmlns:r="http://schemas.openxmlformats.org/officeDocument/2006/relationships" xmlns:p="http://schemas.openxmlformats.org/presentationml/2006/main" showMasterSp="1" showMasterPhAnim="1">
   <p:cSld>
@@ -5286,8 +6446,8 @@
         </p:nvSpPr>
         <p:spPr>
           <a:xfrm>
-            <a:off x="787399" y="2768600"/>
-            <a:ext cx="3959822" cy="5715000"/>
+            <a:off x="787400" y="2768600"/>
+            <a:ext cx="3959821" cy="5715000"/>
           </a:xfrm>
           <a:prstGeom prst="rect">
             <a:avLst/>
@@ -5952,7 +7112,7 @@
         </p:blipFill>
         <p:spPr>
           <a:xfrm>
-            <a:off x="0" y="2000120"/>
+            <a:off x="0" y="2000119"/>
             <a:ext cx="13004800" cy="8746592"/>
           </a:xfrm>
           <a:prstGeom prst="rect">
@@ -6074,7 +7234,7 @@
         <p:spPr>
           <a:xfrm>
             <a:off x="0" y="2000119"/>
-            <a:ext cx="13004800" cy="8746593"/>
+            <a:ext cx="13004800" cy="8746592"/>
           </a:xfrm>
           <a:prstGeom prst="rect">
             <a:avLst/>
